--- a/figures/SIM_array.pptx
+++ b/figures/SIM_array.pptx
@@ -2984,111 +2984,50 @@
           <a:chExt cx="0" cy="0"/>
         </a:xfrm>
       </p:grpSpPr>
-      <mc:AlternateContent xmlns:mc="http://schemas.openxmlformats.org/markup-compatibility/2006">
-        <mc:Choice xmlns:a14="http://schemas.microsoft.com/office/drawing/2010/main" Requires="a14">
-          <p:sp>
-            <p:nvSpPr>
-              <p:cNvPr id="83" name="TextBox 82">
-                <a:extLst>
-                  <a:ext uri="{FF2B5EF4-FFF2-40B4-BE49-F238E27FC236}">
-                    <a16:creationId xmlns:a16="http://schemas.microsoft.com/office/drawing/2014/main" id="{BA26C16B-4171-5E66-E2AF-D8365E7DA3AB}"/>
-                  </a:ext>
-                </a:extLst>
-              </p:cNvPr>
-              <p:cNvSpPr txBox="1"/>
-              <p:nvPr/>
-            </p:nvSpPr>
-            <p:spPr>
-              <a:xfrm>
-                <a:off x="670213" y="-50586"/>
-                <a:ext cx="1544578" cy="369332"/>
-              </a:xfrm>
-              <a:prstGeom prst="rect">
-                <a:avLst/>
-              </a:prstGeom>
-              <a:noFill/>
-            </p:spPr>
-            <p:txBody>
-              <a:bodyPr wrap="square">
-                <a:spAutoFit/>
-              </a:bodyPr>
-              <a:lstStyle/>
-              <a:p>
-                <a:pPr algn="ctr"/>
-                <a:r>
-                  <a:rPr lang="en-US" spc="-1" dirty="0">
-                    <a:solidFill>
-                      <a:srgbClr val="000000"/>
-                    </a:solidFill>
-                    <a:latin typeface="Calibri"/>
-                  </a:rPr>
-                  <a:t>SIM Layer-</a:t>
-                </a:r>
-                <a14:m>
-                  <m:oMath xmlns:m="http://schemas.openxmlformats.org/officeDocument/2006/math">
-                    <m:r>
-                      <a:rPr lang="en-US" i="1" spc="-1" dirty="0" smtClean="0">
-                        <a:solidFill>
-                          <a:srgbClr val="000000"/>
-                        </a:solidFill>
-                        <a:latin typeface="Cambria Math" panose="02040503050406030204" pitchFamily="18" charset="0"/>
-                      </a:rPr>
-                      <m:t>0</m:t>
-                    </m:r>
-                  </m:oMath>
-                </a14:m>
-                <a:endParaRPr lang="en-DE" dirty="0"/>
-              </a:p>
-            </p:txBody>
-          </p:sp>
-        </mc:Choice>
-        <mc:Fallback>
-          <p:sp>
-            <p:nvSpPr>
-              <p:cNvPr id="83" name="TextBox 82">
-                <a:extLst>
-                  <a:ext uri="{FF2B5EF4-FFF2-40B4-BE49-F238E27FC236}">
-                    <a16:creationId xmlns:a16="http://schemas.microsoft.com/office/drawing/2014/main" id="{BA26C16B-4171-5E66-E2AF-D8365E7DA3AB}"/>
-                  </a:ext>
-                </a:extLst>
-              </p:cNvPr>
-              <p:cNvSpPr txBox="1">
-                <a:spLocks noRot="1" noChangeAspect="1" noMove="1" noResize="1" noEditPoints="1" noAdjustHandles="1" noChangeArrowheads="1" noChangeShapeType="1" noTextEdit="1"/>
-              </p:cNvSpPr>
-              <p:nvPr/>
-            </p:nvSpPr>
-            <p:spPr>
-              <a:xfrm>
-                <a:off x="670213" y="-50586"/>
-                <a:ext cx="1544578" cy="369332"/>
-              </a:xfrm>
-              <a:prstGeom prst="rect">
-                <a:avLst/>
-              </a:prstGeom>
-              <a:blipFill>
-                <a:blip r:embed="rId2"/>
-                <a:stretch>
-                  <a:fillRect t="-10000" b="-26667"/>
-                </a:stretch>
-              </a:blipFill>
-            </p:spPr>
-            <p:txBody>
-              <a:bodyPr/>
-              <a:lstStyle/>
-              <a:p>
-                <a:r>
-                  <a:rPr lang="LID4096">
-                    <a:noFill/>
-                  </a:rPr>
-                  <a:t> </a:t>
-                </a:r>
-              </a:p>
-            </p:txBody>
-          </p:sp>
-        </mc:Fallback>
-      </mc:AlternateContent>
-      <mc:AlternateContent xmlns:mc="http://schemas.openxmlformats.org/markup-compatibility/2006">
-        <mc:Choice xmlns:a14="http://schemas.microsoft.com/office/drawing/2010/main" Requires="a14">
+      <p:sp>
+        <p:nvSpPr>
+          <p:cNvPr id="83" name="TextBox 82">
+            <a:extLst>
+              <a:ext uri="{FF2B5EF4-FFF2-40B4-BE49-F238E27FC236}">
+                <a16:creationId xmlns:a16="http://schemas.microsoft.com/office/drawing/2014/main" id="{BA26C16B-4171-5E66-E2AF-D8365E7DA3AB}"/>
+              </a:ext>
+            </a:extLst>
+          </p:cNvPr>
+          <p:cNvSpPr txBox="1"/>
+          <p:nvPr/>
+        </p:nvSpPr>
+        <p:spPr>
+          <a:xfrm>
+            <a:off x="619413" y="-50586"/>
+            <a:ext cx="1681890" cy="369332"/>
+          </a:xfrm>
+          <a:prstGeom prst="rect">
+            <a:avLst/>
+          </a:prstGeom>
+          <a:noFill/>
+        </p:spPr>
+        <p:txBody>
+          <a:bodyPr wrap="square">
+            <a:spAutoFit/>
+          </a:bodyPr>
+          <a:lstStyle/>
+          <a:p>
+            <a:pPr algn="ctr"/>
+            <a:r>
+              <a:rPr lang="en-US" spc="-1" dirty="0">
+                <a:solidFill>
+                  <a:srgbClr val="000000"/>
+                </a:solidFill>
+                <a:latin typeface="Calibri"/>
+              </a:rPr>
+              <a:t>SIM Input Layer</a:t>
+            </a:r>
+            <a:endParaRPr lang="en-DE" dirty="0"/>
+          </a:p>
+        </p:txBody>
+      </p:sp>
+      <mc:AlternateContent xmlns:mc="http://schemas.openxmlformats.org/markup-compatibility/2006" xmlns:a14="http://schemas.microsoft.com/office/drawing/2010/main">
+        <mc:Choice Requires="a14">
           <p:sp>
             <p:nvSpPr>
               <p:cNvPr id="5" name="TextBox 4">
@@ -3157,7 +3096,7 @@
             </p:txBody>
           </p:sp>
         </mc:Choice>
-        <mc:Fallback>
+        <mc:Fallback xmlns="">
           <p:sp>
             <p:nvSpPr>
               <p:cNvPr id="5" name="TextBox 4">
@@ -9771,8 +9710,8 @@
           </a:p>
         </p:txBody>
       </p:sp>
-      <mc:AlternateContent xmlns:mc="http://schemas.openxmlformats.org/markup-compatibility/2006">
-        <mc:Choice xmlns:a14="http://schemas.microsoft.com/office/drawing/2010/main" Requires="a14">
+      <mc:AlternateContent xmlns:mc="http://schemas.openxmlformats.org/markup-compatibility/2006" xmlns:a14="http://schemas.microsoft.com/office/drawing/2010/main">
+        <mc:Choice Requires="a14">
           <p:sp>
             <p:nvSpPr>
               <p:cNvPr id="14" name="TextBox 13">
@@ -9841,7 +9780,7 @@
             </p:txBody>
           </p:sp>
         </mc:Choice>
-        <mc:Fallback>
+        <mc:Fallback xmlns="">
           <p:sp>
             <p:nvSpPr>
               <p:cNvPr id="14" name="TextBox 13">
@@ -9886,8 +9825,8 @@
           </p:sp>
         </mc:Fallback>
       </mc:AlternateContent>
-      <mc:AlternateContent xmlns:mc="http://schemas.openxmlformats.org/markup-compatibility/2006">
-        <mc:Choice xmlns:a14="http://schemas.microsoft.com/office/drawing/2010/main" Requires="a14">
+      <mc:AlternateContent xmlns:mc="http://schemas.openxmlformats.org/markup-compatibility/2006" xmlns:a14="http://schemas.microsoft.com/office/drawing/2010/main">
+        <mc:Choice Requires="a14">
           <p:sp>
             <p:nvSpPr>
               <p:cNvPr id="15" name="TextBox 14">
@@ -9937,7 +9876,7 @@
             </p:txBody>
           </p:sp>
         </mc:Choice>
-        <mc:Fallback>
+        <mc:Fallback xmlns="">
           <p:sp>
             <p:nvSpPr>
               <p:cNvPr id="15" name="TextBox 14">
@@ -9982,8 +9921,8 @@
           </p:sp>
         </mc:Fallback>
       </mc:AlternateContent>
-      <mc:AlternateContent xmlns:mc="http://schemas.openxmlformats.org/markup-compatibility/2006">
-        <mc:Choice xmlns:a14="http://schemas.microsoft.com/office/drawing/2010/main" Requires="a14">
+      <mc:AlternateContent xmlns:mc="http://schemas.openxmlformats.org/markup-compatibility/2006" xmlns:a14="http://schemas.microsoft.com/office/drawing/2010/main">
+        <mc:Choice Requires="a14">
           <p:sp>
             <p:nvSpPr>
               <p:cNvPr id="16" name="TextBox 15">
@@ -10033,7 +9972,7 @@
             </p:txBody>
           </p:sp>
         </mc:Choice>
-        <mc:Fallback>
+        <mc:Fallback xmlns="">
           <p:sp>
             <p:nvSpPr>
               <p:cNvPr id="16" name="TextBox 15">
@@ -10078,8 +10017,8 @@
           </p:sp>
         </mc:Fallback>
       </mc:AlternateContent>
-      <mc:AlternateContent xmlns:mc="http://schemas.openxmlformats.org/markup-compatibility/2006">
-        <mc:Choice xmlns:a14="http://schemas.microsoft.com/office/drawing/2010/main" Requires="a14">
+      <mc:AlternateContent xmlns:mc="http://schemas.openxmlformats.org/markup-compatibility/2006" xmlns:a14="http://schemas.microsoft.com/office/drawing/2010/main">
+        <mc:Choice Requires="a14">
           <p:sp>
             <p:nvSpPr>
               <p:cNvPr id="18" name="TextBox 17">
@@ -10129,7 +10068,7 @@
             </p:txBody>
           </p:sp>
         </mc:Choice>
-        <mc:Fallback>
+        <mc:Fallback xmlns="">
           <p:sp>
             <p:nvSpPr>
               <p:cNvPr id="18" name="TextBox 17">
@@ -10174,8 +10113,8 @@
           </p:sp>
         </mc:Fallback>
       </mc:AlternateContent>
-      <mc:AlternateContent xmlns:mc="http://schemas.openxmlformats.org/markup-compatibility/2006">
-        <mc:Choice xmlns:a14="http://schemas.microsoft.com/office/drawing/2010/main" Requires="a14">
+      <mc:AlternateContent xmlns:mc="http://schemas.openxmlformats.org/markup-compatibility/2006" xmlns:a14="http://schemas.microsoft.com/office/drawing/2010/main">
+        <mc:Choice Requires="a14">
           <p:sp>
             <p:nvSpPr>
               <p:cNvPr id="19" name="TextBox 18">
@@ -10225,7 +10164,7 @@
             </p:txBody>
           </p:sp>
         </mc:Choice>
-        <mc:Fallback>
+        <mc:Fallback xmlns="">
           <p:sp>
             <p:nvSpPr>
               <p:cNvPr id="19" name="TextBox 18">
@@ -10270,8 +10209,8 @@
           </p:sp>
         </mc:Fallback>
       </mc:AlternateContent>
-      <mc:AlternateContent xmlns:mc="http://schemas.openxmlformats.org/markup-compatibility/2006">
-        <mc:Choice xmlns:a14="http://schemas.microsoft.com/office/drawing/2010/main" Requires="a14">
+      <mc:AlternateContent xmlns:mc="http://schemas.openxmlformats.org/markup-compatibility/2006" xmlns:a14="http://schemas.microsoft.com/office/drawing/2010/main">
+        <mc:Choice Requires="a14">
           <p:sp>
             <p:nvSpPr>
               <p:cNvPr id="20" name="TextBox 19">
@@ -10321,7 +10260,7 @@
             </p:txBody>
           </p:sp>
         </mc:Choice>
-        <mc:Fallback>
+        <mc:Fallback xmlns="">
           <p:sp>
             <p:nvSpPr>
               <p:cNvPr id="20" name="TextBox 19">
@@ -10366,8 +10305,8 @@
           </p:sp>
         </mc:Fallback>
       </mc:AlternateContent>
-      <mc:AlternateContent xmlns:mc="http://schemas.openxmlformats.org/markup-compatibility/2006">
-        <mc:Choice xmlns:a14="http://schemas.microsoft.com/office/drawing/2010/main" Requires="a14">
+      <mc:AlternateContent xmlns:mc="http://schemas.openxmlformats.org/markup-compatibility/2006" xmlns:a14="http://schemas.microsoft.com/office/drawing/2010/main">
+        <mc:Choice Requires="a14">
           <p:sp>
             <p:nvSpPr>
               <p:cNvPr id="21" name="TextBox 20">
@@ -10417,7 +10356,7 @@
             </p:txBody>
           </p:sp>
         </mc:Choice>
-        <mc:Fallback>
+        <mc:Fallback xmlns="">
           <p:sp>
             <p:nvSpPr>
               <p:cNvPr id="21" name="TextBox 20">
@@ -10502,8 +10441,8 @@
           </a:fontRef>
         </p:style>
       </p:cxnSp>
-      <mc:AlternateContent xmlns:mc="http://schemas.openxmlformats.org/markup-compatibility/2006">
-        <mc:Choice xmlns:a14="http://schemas.microsoft.com/office/drawing/2010/main" Requires="a14">
+      <mc:AlternateContent xmlns:mc="http://schemas.openxmlformats.org/markup-compatibility/2006" xmlns:a14="http://schemas.microsoft.com/office/drawing/2010/main">
+        <mc:Choice Requires="a14">
           <p:sp>
             <p:nvSpPr>
               <p:cNvPr id="24" name="TextBox 23">
@@ -10572,7 +10511,7 @@
             </p:txBody>
           </p:sp>
         </mc:Choice>
-        <mc:Fallback>
+        <mc:Fallback xmlns="">
           <p:sp>
             <p:nvSpPr>
               <p:cNvPr id="24" name="TextBox 23">
